--- a/slides/.NET 9 DevPira Janeiro-2025.pptx
+++ b/slides/.NET 9 DevPira Janeiro-2025.pptx
@@ -267,7 +267,7 @@
               <a:rPr lang="en-US" smtClean="0">
                 <a:latin typeface="Segoe UI" pitchFamily="34" charset="0"/>
               </a:rPr>
-              <a:t>1/11/2025 9:21 AM</a:t>
+              <a:t>1/11/2025 9:35 AM</a:t>
             </a:fld>
             <a:endParaRPr lang="en-US" dirty="0">
               <a:latin typeface="Segoe UI" pitchFamily="34" charset="0"/>
@@ -548,7 +548,7 @@
           <a:p>
             <a:fld id="{38EEC551-8CDA-4EB6-89BB-2A86C9F091C8}" type="datetime8">
               <a:rPr lang="en-US" smtClean="0"/>
-              <a:t>1/11/2025 9:21 AM</a:t>
+              <a:t>1/11/2025 9:35 AM</a:t>
             </a:fld>
             <a:endParaRPr lang="en-US" dirty="0"/>
           </a:p>
@@ -935,7 +935,7 @@
           <a:p>
             <a:fld id="{38EEC551-8CDA-4EB6-89BB-2A86C9F091C8}" type="datetime8">
               <a:rPr lang="en-US" smtClean="0"/>
-              <a:t>1/11/2025 9:21 AM</a:t>
+              <a:t>1/11/2025 9:35 AM</a:t>
             </a:fld>
             <a:endParaRPr lang="en-US" dirty="0"/>
           </a:p>
@@ -1205,7 +1205,7 @@
           <a:p>
             <a:fld id="{38EEC551-8CDA-4EB6-89BB-2A86C9F091C8}" type="datetime8">
               <a:rPr lang="en-US" smtClean="0"/>
-              <a:t>1/11/2025 9:21 AM</a:t>
+              <a:t>1/11/2025 9:35 AM</a:t>
             </a:fld>
             <a:endParaRPr lang="en-US" dirty="0"/>
           </a:p>
@@ -1390,7 +1390,7 @@
           <a:p>
             <a:fld id="{38EEC551-8CDA-4EB6-89BB-2A86C9F091C8}" type="datetime8">
               <a:rPr lang="en-US" smtClean="0"/>
-              <a:t>1/11/2025 9:21 AM</a:t>
+              <a:t>1/11/2025 9:35 AM</a:t>
             </a:fld>
             <a:endParaRPr lang="en-US" dirty="0"/>
           </a:p>
@@ -1668,7 +1668,7 @@
                 <a:tabLst/>
                 <a:defRPr/>
               </a:pPr>
-              <a:t>1/11/2025 9:21 AM</a:t>
+              <a:t>1/11/2025 9:35 AM</a:t>
             </a:fld>
             <a:endParaRPr kumimoji="0" lang="en-US" sz="1800" b="0" i="0" u="none" strike="noStrike" kern="0" cap="none" spc="0" normalizeH="0" baseline="0" noProof="0">
               <a:ln>
@@ -2009,7 +2009,7 @@
                 <a:tabLst/>
                 <a:defRPr/>
               </a:pPr>
-              <a:t>1/11/2025 9:21 AM</a:t>
+              <a:t>1/11/2025 9:35 AM</a:t>
             </a:fld>
             <a:endParaRPr kumimoji="0" lang="en-US" sz="1800" b="0" i="0" u="none" strike="noStrike" kern="0" cap="none" spc="0" normalizeH="0" baseline="0" noProof="0">
               <a:ln>
@@ -26875,12 +26875,74 @@
         <p:spPr>
           <a:xfrm>
             <a:off x="274638" y="1439862"/>
-            <a:ext cx="8839199" cy="4222694"/>
+            <a:ext cx="8839199" cy="5306068"/>
           </a:xfrm>
         </p:spPr>
         <p:txBody>
           <a:bodyPr/>
           <a:lstStyle/>
+          <a:p>
+            <a:pPr marL="571500" indent="-571500">
+              <a:buFont typeface="Arial" panose="020B0604020202020204" pitchFamily="34" charset="0"/>
+              <a:buChar char="•"/>
+            </a:pPr>
+            <a:r>
+              <a:rPr lang="pt-BR" sz="3200" dirty="0">
+                <a:solidFill>
+                  <a:srgbClr val="494949"/>
+                </a:solidFill>
+              </a:rPr>
+              <a:t>Short </a:t>
+            </a:r>
+            <a:r>
+              <a:rPr lang="pt-BR" sz="3200" dirty="0" err="1">
+                <a:solidFill>
+                  <a:srgbClr val="494949"/>
+                </a:solidFill>
+              </a:rPr>
+              <a:t>Term</a:t>
+            </a:r>
+            <a:r>
+              <a:rPr lang="pt-BR" sz="3200" dirty="0">
+                <a:solidFill>
+                  <a:srgbClr val="494949"/>
+                </a:solidFill>
+              </a:rPr>
+              <a:t> </a:t>
+            </a:r>
+            <a:r>
+              <a:rPr lang="pt-BR" sz="3200" dirty="0" err="1">
+                <a:solidFill>
+                  <a:srgbClr val="494949"/>
+                </a:solidFill>
+              </a:rPr>
+              <a:t>Support</a:t>
+            </a:r>
+            <a:r>
+              <a:rPr lang="pt-BR" sz="3200" dirty="0">
+                <a:solidFill>
+                  <a:srgbClr val="494949"/>
+                </a:solidFill>
+              </a:rPr>
+              <a:t> (</a:t>
+            </a:r>
+            <a:r>
+              <a:rPr lang="pt-BR" sz="3200" b="1" dirty="0">
+                <a:solidFill>
+                  <a:srgbClr val="494949"/>
+                </a:solidFill>
+              </a:rPr>
+              <a:t>STS</a:t>
+            </a:r>
+            <a:r>
+              <a:rPr lang="pt-BR" sz="3200" dirty="0">
+                <a:solidFill>
+                  <a:srgbClr val="494949"/>
+                </a:solidFill>
+              </a:rPr>
+              <a:t>)</a:t>
+            </a:r>
+          </a:p>
           <a:p>
             <a:pPr marL="571500" indent="-571500">
               <a:buFont typeface="Arial" panose="020B0604020202020204" pitchFamily="34" charset="0"/>
@@ -27037,6 +27099,33 @@
               </a:rPr>
               <a:t>...</a:t>
             </a:r>
+          </a:p>
+          <a:p>
+            <a:pPr marL="571500" indent="-571500">
+              <a:buFont typeface="Arial" panose="020B0604020202020204" pitchFamily="34" charset="0"/>
+              <a:buChar char="•"/>
+            </a:pPr>
+            <a:r>
+              <a:rPr lang="pt-BR" sz="3200" b="1" dirty="0">
+                <a:solidFill>
+                  <a:srgbClr val="494949"/>
+                </a:solidFill>
+              </a:rPr>
+              <a:t>AI Building </a:t>
+            </a:r>
+            <a:r>
+              <a:rPr lang="pt-BR" sz="3200" b="1" dirty="0" err="1">
+                <a:solidFill>
+                  <a:srgbClr val="494949"/>
+                </a:solidFill>
+              </a:rPr>
+              <a:t>Blocks</a:t>
+            </a:r>
+            <a:endParaRPr lang="pt-BR" sz="3200" b="1" dirty="0">
+              <a:solidFill>
+                <a:srgbClr val="494949"/>
+              </a:solidFill>
+            </a:endParaRPr>
           </a:p>
           <a:p>
             <a:pPr marL="571500" indent="-571500">
@@ -29497,6 +29586,15 @@
 </file>
 
 <file path=customXml/item1.xml><?xml version="1.0" encoding="utf-8"?>
+<?mso-contentType ?>
+<FormTemplates xmlns="http://schemas.microsoft.com/sharepoint/v3/contenttype/forms">
+  <Display>DocumentLibraryForm</Display>
+  <Edit>DocumentLibraryForm</Edit>
+  <New>DocumentLibraryForm</New>
+</FormTemplates>
+</file>
+
+<file path=customXml/item2.xml><?xml version="1.0" encoding="utf-8"?>
 <ct:contentTypeSchema xmlns:ct="http://schemas.microsoft.com/office/2006/metadata/contentType" xmlns:ma="http://schemas.microsoft.com/office/2006/metadata/properties/metaAttributes" ct:_="" ma:_="" ma:contentTypeName="PresentationsDoc" ma:contentTypeID="0x01010031DCF4CA090F824DB1E4CCBB6B9D64EA00101E8AAD132F8F4D96340D6376C8BB3E" ma:contentTypeVersion="22" ma:contentTypeDescription="" ma:contentTypeScope="" ma:versionID="8add498658ef06bbcf3bc1f2c97d938c">
   <xsd:schema xmlns:xsd="http://www.w3.org/2001/XMLSchema" xmlns:xs="http://www.w3.org/2001/XMLSchema" xmlns:p="http://schemas.microsoft.com/office/2006/metadata/properties" xmlns:ns1="http://schemas.microsoft.com/sharepoint/v3" xmlns:ns2="01c77077-aee4-4b5f-bd4e-9cd40a6fff29" xmlns:ns3="230e9df3-be65-4c73-a93b-d1236ebd677e" xmlns:ns5="8ff673fc-3231-4e3a-893b-6d7f7cd32766" targetNamespace="http://schemas.microsoft.com/office/2006/metadata/properties" ma:root="true" ma:fieldsID="a14070d067e341e7ddc7e27ecc4a2d88" ns1:_="" ns2:_="" ns3:_="" ns5:_="">
     <xsd:import namespace="http://schemas.microsoft.com/sharepoint/v3"/>
@@ -29853,15 +29951,6 @@
 </ct:contentTypeSchema>
 </file>
 
-<file path=customXml/item2.xml><?xml version="1.0" encoding="utf-8"?>
-<?mso-contentType ?>
-<FormTemplates xmlns="http://schemas.microsoft.com/sharepoint/v3/contenttype/forms">
-  <Display>DocumentLibraryForm</Display>
-  <Edit>DocumentLibraryForm</Edit>
-  <New>DocumentLibraryForm</New>
-</FormTemplates>
-</file>
-
 <file path=customXml/item3.xml><?xml version="1.0" encoding="utf-8"?>
 <p:properties xmlns:p="http://schemas.microsoft.com/office/2006/metadata/properties" xmlns:xsi="http://www.w3.org/2001/XMLSchema-instance" xmlns:pc="http://schemas.microsoft.com/office/infopath/2007/PartnerControls">
   <documentManagement>
@@ -29942,6 +30031,14 @@
 </file>
 
 <file path=customXml/itemProps1.xml><?xml version="1.0" encoding="utf-8"?>
+<ds:datastoreItem xmlns:ds="http://schemas.openxmlformats.org/officeDocument/2006/customXml" ds:itemID="{758FDAC0-319D-4A54-8D8E-1D42CB1F8004}">
+  <ds:schemaRefs>
+    <ds:schemaRef ds:uri="http://schemas.microsoft.com/sharepoint/v3/contenttype/forms"/>
+  </ds:schemaRefs>
+</ds:datastoreItem>
+</file>
+
+<file path=customXml/itemProps2.xml><?xml version="1.0" encoding="utf-8"?>
 <ds:datastoreItem xmlns:ds="http://schemas.openxmlformats.org/officeDocument/2006/customXml" ds:itemID="{6D8F288A-5131-4E80-AB86-F10FC037383B}">
   <ds:schemaRefs>
     <ds:schemaRef ds:uri="http://schemas.microsoft.com/office/2006/metadata/contentType"/>
@@ -29958,14 +30055,6 @@
     <ds:schemaRef ds:uri="http://purl.org/dc/elements/1.1/"/>
     <ds:schemaRef ds:uri="http://purl.org/dc/terms/"/>
     <ds:schemaRef ds:uri="http://schemas.microsoft.com/internal/obd"/>
-  </ds:schemaRefs>
-</ds:datastoreItem>
-</file>
-
-<file path=customXml/itemProps2.xml><?xml version="1.0" encoding="utf-8"?>
-<ds:datastoreItem xmlns:ds="http://schemas.openxmlformats.org/officeDocument/2006/customXml" ds:itemID="{758FDAC0-319D-4A54-8D8E-1D42CB1F8004}">
-  <ds:schemaRefs>
-    <ds:schemaRef ds:uri="http://schemas.microsoft.com/sharepoint/v3/contenttype/forms"/>
   </ds:schemaRefs>
 </ds:datastoreItem>
 </file>

--- a/slides/.NET 9 DevPira Janeiro-2025.pptx
+++ b/slides/.NET 9 DevPira Janeiro-2025.pptx
@@ -267,7 +267,7 @@
               <a:rPr lang="en-US" smtClean="0">
                 <a:latin typeface="Segoe UI" pitchFamily="34" charset="0"/>
               </a:rPr>
-              <a:t>1/11/2025 9:35 AM</a:t>
+              <a:t>1/11/2025 10:03 AM</a:t>
             </a:fld>
             <a:endParaRPr lang="en-US" dirty="0">
               <a:latin typeface="Segoe UI" pitchFamily="34" charset="0"/>
@@ -548,7 +548,7 @@
           <a:p>
             <a:fld id="{38EEC551-8CDA-4EB6-89BB-2A86C9F091C8}" type="datetime8">
               <a:rPr lang="en-US" smtClean="0"/>
-              <a:t>1/11/2025 9:35 AM</a:t>
+              <a:t>1/11/2025 10:03 AM</a:t>
             </a:fld>
             <a:endParaRPr lang="en-US" dirty="0"/>
           </a:p>
@@ -935,7 +935,7 @@
           <a:p>
             <a:fld id="{38EEC551-8CDA-4EB6-89BB-2A86C9F091C8}" type="datetime8">
               <a:rPr lang="en-US" smtClean="0"/>
-              <a:t>1/11/2025 9:35 AM</a:t>
+              <a:t>1/11/2025 10:03 AM</a:t>
             </a:fld>
             <a:endParaRPr lang="en-US" dirty="0"/>
           </a:p>
@@ -1205,7 +1205,7 @@
           <a:p>
             <a:fld id="{38EEC551-8CDA-4EB6-89BB-2A86C9F091C8}" type="datetime8">
               <a:rPr lang="en-US" smtClean="0"/>
-              <a:t>1/11/2025 9:35 AM</a:t>
+              <a:t>1/11/2025 10:03 AM</a:t>
             </a:fld>
             <a:endParaRPr lang="en-US" dirty="0"/>
           </a:p>
@@ -1390,7 +1390,7 @@
           <a:p>
             <a:fld id="{38EEC551-8CDA-4EB6-89BB-2A86C9F091C8}" type="datetime8">
               <a:rPr lang="en-US" smtClean="0"/>
-              <a:t>1/11/2025 9:35 AM</a:t>
+              <a:t>1/11/2025 10:03 AM</a:t>
             </a:fld>
             <a:endParaRPr lang="en-US" dirty="0"/>
           </a:p>
@@ -1668,7 +1668,7 @@
                 <a:tabLst/>
                 <a:defRPr/>
               </a:pPr>
-              <a:t>1/11/2025 9:35 AM</a:t>
+              <a:t>1/11/2025 10:03 AM</a:t>
             </a:fld>
             <a:endParaRPr kumimoji="0" lang="en-US" sz="1800" b="0" i="0" u="none" strike="noStrike" kern="0" cap="none" spc="0" normalizeH="0" baseline="0" noProof="0">
               <a:ln>
@@ -2009,7 +2009,7 @@
                 <a:tabLst/>
                 <a:defRPr/>
               </a:pPr>
-              <a:t>1/11/2025 9:35 AM</a:t>
+              <a:t>1/11/2025 10:03 AM</a:t>
             </a:fld>
             <a:endParaRPr kumimoji="0" lang="en-US" sz="1800" b="0" i="0" u="none" strike="noStrike" kern="0" cap="none" spc="0" normalizeH="0" baseline="0" noProof="0">
               <a:ln>
@@ -26693,7 +26693,39 @@
                   <a:srgbClr val="494949"/>
                 </a:solidFill>
               </a:rPr>
-              <a:t>.NET 8, C# 12, ASP.NET Core: uma visão geral das novidades</a:t>
+              <a:t>.</a:t>
+            </a:r>
+            <a:r>
+              <a:rPr lang="pt-BR" sz="3200">
+                <a:solidFill>
+                  <a:srgbClr val="494949"/>
+                </a:solidFill>
+              </a:rPr>
+              <a:t>NET 9, </a:t>
+            </a:r>
+            <a:r>
+              <a:rPr lang="pt-BR" sz="3200" dirty="0">
+                <a:solidFill>
+                  <a:srgbClr val="494949"/>
+                </a:solidFill>
+              </a:rPr>
+              <a:t>C</a:t>
+            </a:r>
+            <a:r>
+              <a:rPr lang="pt-BR" sz="3200">
+                <a:solidFill>
+                  <a:srgbClr val="494949"/>
+                </a:solidFill>
+              </a:rPr>
+              <a:t># 13, </a:t>
+            </a:r>
+            <a:r>
+              <a:rPr lang="pt-BR" sz="3200" dirty="0">
+                <a:solidFill>
+                  <a:srgbClr val="494949"/>
+                </a:solidFill>
+              </a:rPr>
+              <a:t>ASP.NET Core: uma visão geral das novidades</a:t>
             </a:r>
           </a:p>
           <a:p>
@@ -29586,15 +29618,6 @@
 </file>
 
 <file path=customXml/item1.xml><?xml version="1.0" encoding="utf-8"?>
-<?mso-contentType ?>
-<FormTemplates xmlns="http://schemas.microsoft.com/sharepoint/v3/contenttype/forms">
-  <Display>DocumentLibraryForm</Display>
-  <Edit>DocumentLibraryForm</Edit>
-  <New>DocumentLibraryForm</New>
-</FormTemplates>
-</file>
-
-<file path=customXml/item2.xml><?xml version="1.0" encoding="utf-8"?>
 <ct:contentTypeSchema xmlns:ct="http://schemas.microsoft.com/office/2006/metadata/contentType" xmlns:ma="http://schemas.microsoft.com/office/2006/metadata/properties/metaAttributes" ct:_="" ma:_="" ma:contentTypeName="PresentationsDoc" ma:contentTypeID="0x01010031DCF4CA090F824DB1E4CCBB6B9D64EA00101E8AAD132F8F4D96340D6376C8BB3E" ma:contentTypeVersion="22" ma:contentTypeDescription="" ma:contentTypeScope="" ma:versionID="8add498658ef06bbcf3bc1f2c97d938c">
   <xsd:schema xmlns:xsd="http://www.w3.org/2001/XMLSchema" xmlns:xs="http://www.w3.org/2001/XMLSchema" xmlns:p="http://schemas.microsoft.com/office/2006/metadata/properties" xmlns:ns1="http://schemas.microsoft.com/sharepoint/v3" xmlns:ns2="01c77077-aee4-4b5f-bd4e-9cd40a6fff29" xmlns:ns3="230e9df3-be65-4c73-a93b-d1236ebd677e" xmlns:ns5="8ff673fc-3231-4e3a-893b-6d7f7cd32766" targetNamespace="http://schemas.microsoft.com/office/2006/metadata/properties" ma:root="true" ma:fieldsID="a14070d067e341e7ddc7e27ecc4a2d88" ns1:_="" ns2:_="" ns3:_="" ns5:_="">
     <xsd:import namespace="http://schemas.microsoft.com/sharepoint/v3"/>
@@ -29951,6 +29974,15 @@
 </ct:contentTypeSchema>
 </file>
 
+<file path=customXml/item2.xml><?xml version="1.0" encoding="utf-8"?>
+<?mso-contentType ?>
+<FormTemplates xmlns="http://schemas.microsoft.com/sharepoint/v3/contenttype/forms">
+  <Display>DocumentLibraryForm</Display>
+  <Edit>DocumentLibraryForm</Edit>
+  <New>DocumentLibraryForm</New>
+</FormTemplates>
+</file>
+
 <file path=customXml/item3.xml><?xml version="1.0" encoding="utf-8"?>
 <p:properties xmlns:p="http://schemas.microsoft.com/office/2006/metadata/properties" xmlns:xsi="http://www.w3.org/2001/XMLSchema-instance" xmlns:pc="http://schemas.microsoft.com/office/infopath/2007/PartnerControls">
   <documentManagement>
@@ -30031,14 +30063,6 @@
 </file>
 
 <file path=customXml/itemProps1.xml><?xml version="1.0" encoding="utf-8"?>
-<ds:datastoreItem xmlns:ds="http://schemas.openxmlformats.org/officeDocument/2006/customXml" ds:itemID="{758FDAC0-319D-4A54-8D8E-1D42CB1F8004}">
-  <ds:schemaRefs>
-    <ds:schemaRef ds:uri="http://schemas.microsoft.com/sharepoint/v3/contenttype/forms"/>
-  </ds:schemaRefs>
-</ds:datastoreItem>
-</file>
-
-<file path=customXml/itemProps2.xml><?xml version="1.0" encoding="utf-8"?>
 <ds:datastoreItem xmlns:ds="http://schemas.openxmlformats.org/officeDocument/2006/customXml" ds:itemID="{6D8F288A-5131-4E80-AB86-F10FC037383B}">
   <ds:schemaRefs>
     <ds:schemaRef ds:uri="http://schemas.microsoft.com/office/2006/metadata/contentType"/>
@@ -30055,6 +30079,14 @@
     <ds:schemaRef ds:uri="http://purl.org/dc/elements/1.1/"/>
     <ds:schemaRef ds:uri="http://purl.org/dc/terms/"/>
     <ds:schemaRef ds:uri="http://schemas.microsoft.com/internal/obd"/>
+  </ds:schemaRefs>
+</ds:datastoreItem>
+</file>
+
+<file path=customXml/itemProps2.xml><?xml version="1.0" encoding="utf-8"?>
+<ds:datastoreItem xmlns:ds="http://schemas.openxmlformats.org/officeDocument/2006/customXml" ds:itemID="{758FDAC0-319D-4A54-8D8E-1D42CB1F8004}">
+  <ds:schemaRefs>
+    <ds:schemaRef ds:uri="http://schemas.microsoft.com/sharepoint/v3/contenttype/forms"/>
   </ds:schemaRefs>
 </ds:datastoreItem>
 </file>
